--- a/_Prototype/Document/System/미션 튜토리얼.pptx
+++ b/_Prototype/Document/System/미션 튜토리얼.pptx
@@ -207,7 +207,7 @@
           <a:p>
             <a:fld id="{1BE7B796-A74A-480E-B7C3-F20E279F0A7C}" type="datetimeFigureOut">
               <a:rPr lang="ko-KR" altLang="en-US" smtClean="0"/>
-              <a:t>2022-05-31(Tue)</a:t>
+              <a:t>2022-06-28(Tue)</a:t>
             </a:fld>
             <a:endParaRPr lang="ko-KR" altLang="en-US"/>
           </a:p>
@@ -621,7 +621,7 @@
           <a:p>
             <a:fld id="{4E8DDE92-A542-49E3-8BCA-C8166235BA4E}" type="datetimeFigureOut">
               <a:rPr lang="ko-KR" altLang="en-US" smtClean="0"/>
-              <a:t>2022-05-31(Tue)</a:t>
+              <a:t>2022-06-28(Tue)</a:t>
             </a:fld>
             <a:endParaRPr lang="ko-KR" altLang="en-US"/>
           </a:p>
@@ -819,7 +819,7 @@
           <a:p>
             <a:fld id="{4E8DDE92-A542-49E3-8BCA-C8166235BA4E}" type="datetimeFigureOut">
               <a:rPr lang="ko-KR" altLang="en-US" smtClean="0"/>
-              <a:t>2022-05-31(Tue)</a:t>
+              <a:t>2022-06-28(Tue)</a:t>
             </a:fld>
             <a:endParaRPr lang="ko-KR" altLang="en-US"/>
           </a:p>
@@ -1027,7 +1027,7 @@
           <a:p>
             <a:fld id="{4E8DDE92-A542-49E3-8BCA-C8166235BA4E}" type="datetimeFigureOut">
               <a:rPr lang="ko-KR" altLang="en-US" smtClean="0"/>
-              <a:t>2022-05-31(Tue)</a:t>
+              <a:t>2022-06-28(Tue)</a:t>
             </a:fld>
             <a:endParaRPr lang="ko-KR" altLang="en-US"/>
           </a:p>
@@ -1287,7 +1287,7 @@
           <a:p>
             <a:fld id="{4E8DDE92-A542-49E3-8BCA-C8166235BA4E}" type="datetimeFigureOut">
               <a:rPr lang="ko-KR" altLang="en-US" smtClean="0"/>
-              <a:t>2022-05-31(Tue)</a:t>
+              <a:t>2022-06-28(Tue)</a:t>
             </a:fld>
             <a:endParaRPr lang="ko-KR" altLang="en-US"/>
           </a:p>
@@ -1562,7 +1562,7 @@
           <a:p>
             <a:fld id="{4E8DDE92-A542-49E3-8BCA-C8166235BA4E}" type="datetimeFigureOut">
               <a:rPr lang="ko-KR" altLang="en-US" smtClean="0"/>
-              <a:t>2022-05-31(Tue)</a:t>
+              <a:t>2022-06-28(Tue)</a:t>
             </a:fld>
             <a:endParaRPr lang="ko-KR" altLang="en-US"/>
           </a:p>
@@ -1827,7 +1827,7 @@
           <a:p>
             <a:fld id="{4E8DDE92-A542-49E3-8BCA-C8166235BA4E}" type="datetimeFigureOut">
               <a:rPr lang="ko-KR" altLang="en-US" smtClean="0"/>
-              <a:t>2022-05-31(Tue)</a:t>
+              <a:t>2022-06-28(Tue)</a:t>
             </a:fld>
             <a:endParaRPr lang="ko-KR" altLang="en-US"/>
           </a:p>
@@ -2239,7 +2239,7 @@
           <a:p>
             <a:fld id="{4E8DDE92-A542-49E3-8BCA-C8166235BA4E}" type="datetimeFigureOut">
               <a:rPr lang="ko-KR" altLang="en-US" smtClean="0"/>
-              <a:t>2022-05-31(Tue)</a:t>
+              <a:t>2022-06-28(Tue)</a:t>
             </a:fld>
             <a:endParaRPr lang="ko-KR" altLang="en-US"/>
           </a:p>
@@ -2380,7 +2380,7 @@
           <a:p>
             <a:fld id="{4E8DDE92-A542-49E3-8BCA-C8166235BA4E}" type="datetimeFigureOut">
               <a:rPr lang="ko-KR" altLang="en-US" smtClean="0"/>
-              <a:t>2022-05-31(Tue)</a:t>
+              <a:t>2022-06-28(Tue)</a:t>
             </a:fld>
             <a:endParaRPr lang="ko-KR" altLang="en-US"/>
           </a:p>
@@ -2493,7 +2493,7 @@
           <a:p>
             <a:fld id="{4E8DDE92-A542-49E3-8BCA-C8166235BA4E}" type="datetimeFigureOut">
               <a:rPr lang="ko-KR" altLang="en-US" smtClean="0"/>
-              <a:t>2022-05-31(Tue)</a:t>
+              <a:t>2022-06-28(Tue)</a:t>
             </a:fld>
             <a:endParaRPr lang="ko-KR" altLang="en-US"/>
           </a:p>
@@ -2804,7 +2804,7 @@
           <a:p>
             <a:fld id="{4E8DDE92-A542-49E3-8BCA-C8166235BA4E}" type="datetimeFigureOut">
               <a:rPr lang="ko-KR" altLang="en-US" smtClean="0"/>
-              <a:t>2022-05-31(Tue)</a:t>
+              <a:t>2022-06-28(Tue)</a:t>
             </a:fld>
             <a:endParaRPr lang="ko-KR" altLang="en-US"/>
           </a:p>
@@ -3092,7 +3092,7 @@
           <a:p>
             <a:fld id="{4E8DDE92-A542-49E3-8BCA-C8166235BA4E}" type="datetimeFigureOut">
               <a:rPr lang="ko-KR" altLang="en-US" smtClean="0"/>
-              <a:t>2022-05-31(Tue)</a:t>
+              <a:t>2022-06-28(Tue)</a:t>
             </a:fld>
             <a:endParaRPr lang="ko-KR" altLang="en-US"/>
           </a:p>
@@ -3333,7 +3333,7 @@
           <a:p>
             <a:fld id="{4E8DDE92-A542-49E3-8BCA-C8166235BA4E}" type="datetimeFigureOut">
               <a:rPr lang="ko-KR" altLang="en-US" smtClean="0"/>
-              <a:t>2022-05-31(Tue)</a:t>
+              <a:t>2022-06-28(Tue)</a:t>
             </a:fld>
             <a:endParaRPr lang="ko-KR" altLang="en-US"/>
           </a:p>
@@ -7467,15 +7467,15 @@
           <a:lstStyle/>
           <a:p>
             <a:r>
-              <a:rPr lang="ko-KR" altLang="en-US" sz="3200" b="1" dirty="0"/>
+              <a:rPr lang="ko-KR" altLang="en-US" sz="2400" b="1" dirty="0"/>
               <a:t>아이템 튜토리얼 </a:t>
             </a:r>
             <a:r>
-              <a:rPr lang="en-US" altLang="ko-KR" sz="3200" b="1" dirty="0"/>
+              <a:rPr lang="en-US" altLang="ko-KR" sz="2400" b="1" dirty="0"/>
               <a:t>- </a:t>
             </a:r>
             <a:r>
-              <a:rPr lang="ko-KR" altLang="en-US" sz="3200" b="1" dirty="0"/>
+              <a:rPr lang="ko-KR" altLang="en-US" sz="2400" b="1" dirty="0"/>
               <a:t>엔진</a:t>
             </a:r>
           </a:p>
